--- a/ASM1_SLIDE_DATLT_BH01906_DSA.pptx
+++ b/ASM1_SLIDE_DATLT_BH01906_DSA.pptx
@@ -545,7 +545,7 @@
           <a:p>
             <a:fld id="{3B294C2C-4444-44F3-B538-EB11D8BE310C}" type="datetimeFigureOut">
               <a:rPr lang="en-US" smtClean="0"/>
-              <a:t>10/22/2024</a:t>
+              <a:t>10/29/2024</a:t>
             </a:fld>
             <a:endParaRPr lang="en-US"/>
           </a:p>
@@ -724,7 +724,7 @@
           <a:p>
             <a:fld id="{3B294C2C-4444-44F3-B538-EB11D8BE310C}" type="datetimeFigureOut">
               <a:rPr lang="en-US" smtClean="0"/>
-              <a:t>10/22/2024</a:t>
+              <a:t>10/29/2024</a:t>
             </a:fld>
             <a:endParaRPr lang="en-US"/>
           </a:p>
@@ -904,7 +904,7 @@
           <a:p>
             <a:fld id="{3B294C2C-4444-44F3-B538-EB11D8BE310C}" type="datetimeFigureOut">
               <a:rPr lang="en-US" smtClean="0"/>
-              <a:t>10/22/2024</a:t>
+              <a:t>10/29/2024</a:t>
             </a:fld>
             <a:endParaRPr lang="en-US"/>
           </a:p>
@@ -1074,7 +1074,7 @@
           <a:p>
             <a:fld id="{3B294C2C-4444-44F3-B538-EB11D8BE310C}" type="datetimeFigureOut">
               <a:rPr lang="en-US" smtClean="0"/>
-              <a:t>10/22/2024</a:t>
+              <a:t>10/29/2024</a:t>
             </a:fld>
             <a:endParaRPr lang="en-US"/>
           </a:p>
@@ -1387,7 +1387,7 @@
           <a:p>
             <a:fld id="{3B294C2C-4444-44F3-B538-EB11D8BE310C}" type="datetimeFigureOut">
               <a:rPr lang="en-US" smtClean="0"/>
-              <a:t>10/22/2024</a:t>
+              <a:t>10/29/2024</a:t>
             </a:fld>
             <a:endParaRPr lang="en-US"/>
           </a:p>
@@ -1773,7 +1773,7 @@
           <a:p>
             <a:fld id="{3B294C2C-4444-44F3-B538-EB11D8BE310C}" type="datetimeFigureOut">
               <a:rPr lang="en-US" smtClean="0"/>
-              <a:t>10/22/2024</a:t>
+              <a:t>10/29/2024</a:t>
             </a:fld>
             <a:endParaRPr lang="en-US"/>
           </a:p>
@@ -2207,7 +2207,7 @@
           <a:p>
             <a:fld id="{3B294C2C-4444-44F3-B538-EB11D8BE310C}" type="datetimeFigureOut">
               <a:rPr lang="en-US" smtClean="0"/>
-              <a:t>10/22/2024</a:t>
+              <a:t>10/29/2024</a:t>
             </a:fld>
             <a:endParaRPr lang="en-US"/>
           </a:p>
@@ -2325,7 +2325,7 @@
           <a:p>
             <a:fld id="{3B294C2C-4444-44F3-B538-EB11D8BE310C}" type="datetimeFigureOut">
               <a:rPr lang="en-US" smtClean="0"/>
-              <a:t>10/22/2024</a:t>
+              <a:t>10/29/2024</a:t>
             </a:fld>
             <a:endParaRPr lang="en-US"/>
           </a:p>
@@ -2420,7 +2420,7 @@
           <a:p>
             <a:fld id="{3B294C2C-4444-44F3-B538-EB11D8BE310C}" type="datetimeFigureOut">
               <a:rPr lang="en-US" smtClean="0"/>
-              <a:t>10/22/2024</a:t>
+              <a:t>10/29/2024</a:t>
             </a:fld>
             <a:endParaRPr lang="en-US"/>
           </a:p>
@@ -2770,7 +2770,7 @@
           <a:p>
             <a:fld id="{3B294C2C-4444-44F3-B538-EB11D8BE310C}" type="datetimeFigureOut">
               <a:rPr lang="en-US" smtClean="0"/>
-              <a:t>10/22/2024</a:t>
+              <a:t>10/29/2024</a:t>
             </a:fld>
             <a:endParaRPr lang="en-US"/>
           </a:p>
@@ -3195,7 +3195,7 @@
           <a:p>
             <a:fld id="{3B294C2C-4444-44F3-B538-EB11D8BE310C}" type="datetimeFigureOut">
               <a:rPr lang="en-US" smtClean="0"/>
-              <a:t>10/22/2024</a:t>
+              <a:t>10/29/2024</a:t>
             </a:fld>
             <a:endParaRPr lang="en-US"/>
           </a:p>
@@ -3476,7 +3476,7 @@
           <a:p>
             <a:fld id="{3B294C2C-4444-44F3-B538-EB11D8BE310C}" type="datetimeFigureOut">
               <a:rPr lang="en-US" smtClean="0"/>
-              <a:t>10/22/2024</a:t>
+              <a:t>10/29/2024</a:t>
             </a:fld>
             <a:endParaRPr lang="en-US"/>
           </a:p>
@@ -6178,7 +6178,12 @@
             <p:ph idx="1"/>
           </p:nvPr>
         </p:nvSpPr>
-        <p:spPr/>
+        <p:spPr>
+          <a:xfrm>
+            <a:off x="1325526" y="2121408"/>
+            <a:ext cx="9802722" cy="3109811"/>
+          </a:xfrm>
+        </p:spPr>
         <p:txBody>
           <a:bodyPr/>
           <a:lstStyle/>
@@ -10033,7 +10038,7 @@
               <a:buNone/>
               <a:tabLst/>
             </a:pPr>
-            <a:endParaRPr kumimoji="0" lang="en-US" altLang="en-US" sz="1800" b="0" i="0" u="none" strike="noStrike" cap="none" normalizeH="0" baseline="0" smtClean="0">
+            <a:endParaRPr kumimoji="0" lang="en-US" altLang="en-US" sz="1800" b="0" i="0" u="none" strike="noStrike" cap="none" normalizeH="0" baseline="0" dirty="0" smtClean="0">
               <a:ln>
                 <a:noFill/>
               </a:ln>
@@ -10062,7 +10067,7 @@
               <a:tabLst/>
             </a:pPr>
             <a:r>
-              <a:rPr kumimoji="0" lang="en-US" altLang="en-US" sz="1800" b="1" i="0" u="none" strike="noStrike" cap="none" normalizeH="0" baseline="0" smtClean="0">
+              <a:rPr kumimoji="0" lang="en-US" altLang="en-US" sz="1800" b="1" i="0" u="none" strike="noStrike" cap="none" normalizeH="0" baseline="0" dirty="0" smtClean="0">
                 <a:ln>
                   <a:noFill/>
                 </a:ln>
@@ -10075,7 +10080,7 @@
               <a:t>Scenario:</a:t>
             </a:r>
             <a:r>
-              <a:rPr kumimoji="0" lang="en-US" altLang="en-US" sz="1800" b="0" i="0" u="none" strike="noStrike" cap="none" normalizeH="0" baseline="0" smtClean="0">
+              <a:rPr kumimoji="0" lang="en-US" altLang="en-US" sz="1800" b="0" i="0" u="none" strike="noStrike" cap="none" normalizeH="0" baseline="0" dirty="0" smtClean="0">
                 <a:ln>
                   <a:noFill/>
                 </a:ln>
@@ -10106,7 +10111,7 @@
               <a:tabLst/>
             </a:pPr>
             <a:r>
-              <a:rPr kumimoji="0" lang="en-US" altLang="en-US" sz="1800" b="0" i="0" u="none" strike="noStrike" cap="none" normalizeH="0" baseline="0" smtClean="0">
+              <a:rPr kumimoji="0" lang="en-US" altLang="en-US" sz="1800" b="0" i="0" u="none" strike="noStrike" cap="none" normalizeH="0" baseline="0" dirty="0" err="1" smtClean="0">
                 <a:ln>
                   <a:noFill/>
                 </a:ln>
@@ -10116,7 +10121,20 @@
                 <a:effectLst/>
                 <a:latin typeface="Arial" panose="020B0604020202020204" pitchFamily="34" charset="0"/>
               </a:rPr>
-              <a:t>Enqueue students as they enter.</a:t>
+              <a:t>Enqueue</a:t>
+            </a:r>
+            <a:r>
+              <a:rPr kumimoji="0" lang="en-US" altLang="en-US" sz="1800" b="0" i="0" u="none" strike="noStrike" cap="none" normalizeH="0" baseline="0" dirty="0" smtClean="0">
+                <a:ln>
+                  <a:noFill/>
+                </a:ln>
+                <a:solidFill>
+                  <a:schemeClr val="tx1"/>
+                </a:solidFill>
+                <a:effectLst/>
+                <a:latin typeface="Arial" panose="020B0604020202020204" pitchFamily="34" charset="0"/>
+              </a:rPr>
+              <a:t> students as they enter.</a:t>
             </a:r>
           </a:p>
           <a:p>
@@ -10137,7 +10155,7 @@
               <a:tabLst/>
             </a:pPr>
             <a:r>
-              <a:rPr kumimoji="0" lang="en-US" altLang="en-US" sz="1800" b="0" i="0" u="none" strike="noStrike" cap="none" normalizeH="0" baseline="0" smtClean="0">
+              <a:rPr kumimoji="0" lang="en-US" altLang="en-US" sz="1800" b="0" i="0" u="none" strike="noStrike" cap="none" normalizeH="0" baseline="0" dirty="0" err="1" smtClean="0">
                 <a:ln>
                   <a:noFill/>
                 </a:ln>
@@ -10147,7 +10165,20 @@
                 <a:effectLst/>
                 <a:latin typeface="Arial" panose="020B0604020202020204" pitchFamily="34" charset="0"/>
               </a:rPr>
-              <a:t>Dequeue students when they leave.</a:t>
+              <a:t>Dequeue</a:t>
+            </a:r>
+            <a:r>
+              <a:rPr kumimoji="0" lang="en-US" altLang="en-US" sz="1800" b="0" i="0" u="none" strike="noStrike" cap="none" normalizeH="0" baseline="0" dirty="0" smtClean="0">
+                <a:ln>
+                  <a:noFill/>
+                </a:ln>
+                <a:solidFill>
+                  <a:schemeClr val="tx1"/>
+                </a:solidFill>
+                <a:effectLst/>
+                <a:latin typeface="Arial" panose="020B0604020202020204" pitchFamily="34" charset="0"/>
+              </a:rPr>
+              <a:t> students when they leave.</a:t>
             </a:r>
           </a:p>
           <a:p>
@@ -10167,7 +10198,7 @@
               <a:buNone/>
               <a:tabLst/>
             </a:pPr>
-            <a:endParaRPr kumimoji="0" lang="en-US" altLang="en-US" sz="1800" b="0" i="0" u="none" strike="noStrike" cap="none" normalizeH="0" baseline="0" smtClean="0">
+            <a:endParaRPr kumimoji="0" lang="en-US" altLang="en-US" sz="1800" b="0" i="0" u="none" strike="noStrike" cap="none" normalizeH="0" baseline="0" dirty="0" smtClean="0">
               <a:ln>
                 <a:noFill/>
               </a:ln>
